--- a/secure-coding/slides/delivery/15__Security-future.pptx
+++ b/secure-coding/slides/delivery/15__Security-future.pptx
@@ -3161,8 +3161,8 @@
         </p:blipFill>
         <p:spPr>
           <a:xfrm>
-            <a:off x="704088" y="914400"/>
-            <a:ext cx="13639800" cy="5753100"/>
+            <a:off x="342900" y="1710055"/>
+            <a:ext cx="8443595" cy="3561715"/>
           </a:xfrm>
           <a:prstGeom prst="rect">
             <a:avLst/>
@@ -3675,8 +3675,8 @@
         </p:blipFill>
         <p:spPr>
           <a:xfrm>
-            <a:off x="704088" y="1353312"/>
-            <a:ext cx="10833100" cy="5232400"/>
+            <a:off x="704215" y="2550795"/>
+            <a:ext cx="8354060" cy="4034790"/>
           </a:xfrm>
           <a:prstGeom prst="rect">
             <a:avLst/>
@@ -3803,8 +3803,8 @@
         </p:blipFill>
         <p:spPr>
           <a:xfrm>
-            <a:off x="704088" y="914400"/>
-            <a:ext cx="12827000" cy="6007100"/>
+            <a:off x="1028700" y="1786255"/>
+            <a:ext cx="8218805" cy="3848735"/>
           </a:xfrm>
           <a:prstGeom prst="rect">
             <a:avLst/>
@@ -3930,8 +3930,8 @@
         </p:blipFill>
         <p:spPr>
           <a:xfrm>
-            <a:off x="704088" y="914400"/>
-            <a:ext cx="12446000" cy="5753100"/>
+            <a:off x="190500" y="2705735"/>
+            <a:ext cx="8797925" cy="4066540"/>
           </a:xfrm>
           <a:prstGeom prst="rect">
             <a:avLst/>
@@ -4061,8 +4061,8 @@
         </p:blipFill>
         <p:spPr>
           <a:xfrm>
-            <a:off x="704088" y="1353312"/>
-            <a:ext cx="13741400" cy="5156200"/>
+            <a:off x="876300" y="2395855"/>
+            <a:ext cx="8153400" cy="3059430"/>
           </a:xfrm>
           <a:prstGeom prst="rect">
             <a:avLst/>
@@ -4303,7 +4303,7 @@
         </p:blipFill>
         <p:spPr>
           <a:xfrm>
-            <a:off x="704088" y="914400"/>
+            <a:off x="704088" y="1329690"/>
             <a:ext cx="6000750" cy="5895975"/>
           </a:xfrm>
           <a:prstGeom prst="rect">
@@ -4565,7 +4565,7 @@
         </p:blipFill>
         <p:spPr>
           <a:xfrm>
-            <a:off x="704088" y="1353312"/>
+            <a:off x="799973" y="2168017"/>
             <a:ext cx="6439955" cy="4151376"/>
           </a:xfrm>
           <a:prstGeom prst="rect">
@@ -4706,7 +4706,7 @@
         </p:blipFill>
         <p:spPr>
           <a:xfrm>
-            <a:off x="704088" y="1792224"/>
+            <a:off x="704088" y="2320544"/>
             <a:ext cx="5706834" cy="3712464"/>
           </a:xfrm>
           <a:prstGeom prst="rect">
@@ -4844,7 +4844,7 @@
         </p:blipFill>
         <p:spPr>
           <a:xfrm>
-            <a:off x="704088" y="1792224"/>
+            <a:off x="571373" y="2320544"/>
             <a:ext cx="6457950" cy="4495800"/>
           </a:xfrm>
           <a:prstGeom prst="rect">
@@ -4977,8 +4977,8 @@
         </p:blipFill>
         <p:spPr>
           <a:xfrm>
-            <a:off x="704088" y="1353312"/>
-            <a:ext cx="10909300" cy="5994400"/>
+            <a:off x="408940" y="1786890"/>
+            <a:ext cx="8554085" cy="4700270"/>
           </a:xfrm>
           <a:prstGeom prst="rect">
             <a:avLst/>
@@ -5105,8 +5105,8 @@
         </p:blipFill>
         <p:spPr>
           <a:xfrm>
-            <a:off x="704088" y="914400"/>
-            <a:ext cx="10934700" cy="6019800"/>
+            <a:off x="419100" y="1863090"/>
+            <a:ext cx="8714105" cy="4797425"/>
           </a:xfrm>
           <a:prstGeom prst="rect">
             <a:avLst/>
@@ -5232,8 +5232,8 @@
         </p:blipFill>
         <p:spPr>
           <a:xfrm>
-            <a:off x="704088" y="914400"/>
-            <a:ext cx="12458700" cy="5753100"/>
+            <a:off x="876300" y="1710055"/>
+            <a:ext cx="8100060" cy="3740150"/>
           </a:xfrm>
           <a:prstGeom prst="rect">
             <a:avLst/>
@@ -5378,7 +5378,7 @@
         </p:blipFill>
         <p:spPr>
           <a:xfrm>
-            <a:off x="704088" y="2231136"/>
+            <a:off x="704088" y="2701036"/>
             <a:ext cx="3327621" cy="2834640"/>
           </a:xfrm>
           <a:prstGeom prst="rect">
